--- a/OfficeAddin/05 Using modern JavaScript/03 Build an Office Add-in using VueJS.pptx
+++ b/OfficeAddin/05 Using modern JavaScript/03 Build an Office Add-in using VueJS.pptx
@@ -265,7 +265,7 @@
               <a:rPr lang="en-US" smtClean="0">
                 <a:latin typeface="Segoe UI" pitchFamily="34" charset="0"/>
               </a:rPr>
-              <a:t>10/30/2017 1:46 PM</a:t>
+              <a:t>9/17/18 8:56 PM</a:t>
             </a:fld>
             <a:endParaRPr lang="en-US" dirty="0">
               <a:latin typeface="Segoe UI" pitchFamily="34" charset="0"/>
@@ -559,7 +559,7 @@
           <a:p>
             <a:fld id="{D18B56EA-E28F-4F92-9F16-7A6F2501B303}" type="datetime8">
               <a:rPr lang="en-US" smtClean="0"/>
-              <a:t>10/30/2017 1:45 PM</a:t>
+              <a:t>9/17/18 8:56 PM</a:t>
             </a:fld>
             <a:endParaRPr lang="en-US" dirty="0"/>
           </a:p>
@@ -1047,7 +1047,7 @@
                 <a:tabLst/>
                 <a:defRPr/>
               </a:pPr>
-              <a:t>10/30/2017 1:46 PM</a:t>
+              <a:t>9/17/18 8:56 PM</a:t>
             </a:fld>
             <a:endParaRPr kumimoji="0" lang="en-US" sz="1200" b="0" i="0" u="none" strike="noStrike" kern="1200" cap="none" spc="0" normalizeH="0" baseline="0" noProof="0" dirty="0">
               <a:ln>
@@ -1405,7 +1405,7 @@
                 <a:tabLst/>
                 <a:defRPr/>
               </a:pPr>
-              <a:t>10/30/2017 1:45 PM</a:t>
+              <a:t>9/17/18 8:56 PM</a:t>
             </a:fld>
             <a:endParaRPr kumimoji="0" lang="en-US" sz="1200" b="0" i="0" u="none" strike="noStrike" kern="1200" cap="none" spc="0" normalizeH="0" baseline="0" noProof="0" dirty="0">
               <a:ln>
@@ -1658,7 +1658,7 @@
           <a:p>
             <a:fld id="{D18B56EA-E28F-4F92-9F16-7A6F2501B303}" type="datetime8">
               <a:rPr lang="en-US" smtClean="0"/>
-              <a:t>10/30/2017 1:45 PM</a:t>
+              <a:t>9/17/18 8:56 PM</a:t>
             </a:fld>
             <a:endParaRPr lang="en-US" dirty="0"/>
           </a:p>
@@ -1839,7 +1839,7 @@
           <a:p>
             <a:fld id="{D18B56EA-E28F-4F92-9F16-7A6F2501B303}" type="datetime8">
               <a:rPr lang="en-US" smtClean="0"/>
-              <a:t>10/30/2017 1:45 PM</a:t>
+              <a:t>9/17/18 8:56 PM</a:t>
             </a:fld>
             <a:endParaRPr lang="en-US" dirty="0"/>
           </a:p>
@@ -2125,7 +2125,7 @@
                 <a:tabLst/>
                 <a:defRPr/>
               </a:pPr>
-              <a:t>10/30/2017 1:46 PM</a:t>
+              <a:t>9/17/18 8:56 PM</a:t>
             </a:fld>
             <a:endParaRPr kumimoji="0" lang="en-US" sz="1200" b="0" i="0" u="none" strike="noStrike" kern="1200" cap="none" spc="0" normalizeH="0" baseline="0" noProof="0" dirty="0">
               <a:ln>
@@ -2457,7 +2457,7 @@
           <a:p>
             <a:fld id="{D18B56EA-E28F-4F92-9F16-7A6F2501B303}" type="datetime8">
               <a:rPr lang="en-US" smtClean="0"/>
-              <a:t>10/30/2017 1:47 PM</a:t>
+              <a:t>9/17/18 8:56 PM</a:t>
             </a:fld>
             <a:endParaRPr lang="en-US" dirty="0"/>
           </a:p>
@@ -2846,7 +2846,7 @@
                 <a:tabLst/>
                 <a:defRPr/>
               </a:pPr>
-              <a:t>10/30/2017 1:45 PM</a:t>
+              <a:t>9/17/18 8:56 PM</a:t>
             </a:fld>
             <a:endParaRPr kumimoji="0" lang="en-US" sz="1200" b="0" i="0" u="none" strike="noStrike" kern="1200" cap="none" spc="0" normalizeH="0" baseline="0" noProof="0" dirty="0">
               <a:ln>
@@ -3310,7 +3310,7 @@
                 <a:tabLst/>
                 <a:defRPr/>
               </a:pPr>
-              <a:t>10/30/2017 1:45 PM</a:t>
+              <a:t>9/17/18 8:56 PM</a:t>
             </a:fld>
             <a:endParaRPr kumimoji="0" lang="en-US" sz="1200" b="0" i="0" u="none" strike="noStrike" kern="1200" cap="none" spc="0" normalizeH="0" baseline="0" noProof="0" dirty="0">
               <a:ln>
@@ -3700,7 +3700,7 @@
                 <a:tabLst/>
                 <a:defRPr/>
               </a:pPr>
-              <a:t>10/30/2017 1:45 PM</a:t>
+              <a:t>9/17/18 8:56 PM</a:t>
             </a:fld>
             <a:endParaRPr kumimoji="0" lang="en-US" sz="1200" b="0" i="0" u="none" strike="noStrike" kern="1200" cap="none" spc="0" normalizeH="0" baseline="0" noProof="0" dirty="0">
               <a:ln>
@@ -4102,7 +4102,7 @@
                 <a:tabLst/>
                 <a:defRPr/>
               </a:pPr>
-              <a:t>10/30/2017 1:45 PM</a:t>
+              <a:t>9/17/18 8:56 PM</a:t>
             </a:fld>
             <a:endParaRPr kumimoji="0" lang="en-US" sz="1200" b="0" i="0" u="none" strike="noStrike" kern="1200" cap="none" spc="0" normalizeH="0" baseline="0" noProof="0" dirty="0">
               <a:ln>
@@ -4485,7 +4485,7 @@
                 <a:tabLst/>
                 <a:defRPr/>
               </a:pPr>
-              <a:t>10/30/2017 1:45 PM</a:t>
+              <a:t>9/17/18 8:56 PM</a:t>
             </a:fld>
             <a:endParaRPr kumimoji="0" lang="en-US" sz="1200" b="0" i="0" u="none" strike="noStrike" kern="1200" cap="none" spc="0" normalizeH="0" baseline="0" noProof="0" dirty="0">
               <a:ln>
@@ -5556,7 +5556,7 @@
           <a:p>
             <a:fld id="{D18B56EA-E28F-4F92-9F16-7A6F2501B303}" type="datetime8">
               <a:rPr lang="en-US" smtClean="0"/>
-              <a:t>10/30/2017 1:45 PM</a:t>
+              <a:t>9/17/18 8:56 PM</a:t>
             </a:fld>
             <a:endParaRPr lang="en-US" dirty="0"/>
           </a:p>
@@ -17904,15 +17904,7 @@
           <a:p>
             <a:r>
               <a:rPr lang="en-US" dirty="0"/>
-              <a:t>Core library focused on the view layer only (</a:t>
-            </a:r>
-            <a:r>
-              <a:rPr lang="en-US" dirty="0" err="1"/>
-              <a:t>hense</a:t>
-            </a:r>
-            <a:r>
-              <a:rPr lang="en-US" dirty="0"/>
-              <a:t> the name), and is easy to pick up and integrate with other libraries or existing projects.</a:t>
+              <a:t>Core library focused on the view layer only (hence the name), and is easy to pick up and integrate with other libraries or existing projects.</a:t>
             </a:r>
           </a:p>
         </p:txBody>
@@ -18351,13 +18343,13 @@
   <p:clrMapOvr>
     <a:masterClrMapping/>
   </p:clrMapOvr>
-  <mc:AlternateContent xmlns:mc="http://schemas.openxmlformats.org/markup-compatibility/2006">
-    <mc:Choice xmlns:p159="http://schemas.microsoft.com/office/powerpoint/2015/09/main" Requires="p159">
+  <mc:AlternateContent xmlns:mc="http://schemas.openxmlformats.org/markup-compatibility/2006" xmlns:p159="http://schemas.microsoft.com/office/powerpoint/2015/09/main">
+    <mc:Choice Requires="p159">
       <p:transition xmlns:p14="http://schemas.microsoft.com/office/powerpoint/2010/main" spd="slow" p14:dur="2000">
         <p159:morph option="byWord"/>
       </p:transition>
     </mc:Choice>
-    <mc:Fallback>
+    <mc:Fallback xmlns="">
       <p:transition spd="slow">
         <p:fade/>
       </p:transition>

--- a/OfficeAddin/05 Using modern JavaScript/03 Build an Office Add-in using VueJS.pptx
+++ b/OfficeAddin/05 Using modern JavaScript/03 Build an Office Add-in using VueJS.pptx
@@ -265,7 +265,7 @@
               <a:rPr lang="en-US" smtClean="0">
                 <a:latin typeface="Segoe UI" pitchFamily="34" charset="0"/>
               </a:rPr>
-              <a:t>9/17/18 8:56 PM</a:t>
+              <a:t>3/4/19 8:32 PM</a:t>
             </a:fld>
             <a:endParaRPr lang="en-US" dirty="0">
               <a:latin typeface="Segoe UI" pitchFamily="34" charset="0"/>
@@ -559,7 +559,7 @@
           <a:p>
             <a:fld id="{D18B56EA-E28F-4F92-9F16-7A6F2501B303}" type="datetime8">
               <a:rPr lang="en-US" smtClean="0"/>
-              <a:t>9/17/18 8:56 PM</a:t>
+              <a:t>3/4/19 8:32 PM</a:t>
             </a:fld>
             <a:endParaRPr lang="en-US" dirty="0"/>
           </a:p>
@@ -1047,7 +1047,7 @@
                 <a:tabLst/>
                 <a:defRPr/>
               </a:pPr>
-              <a:t>9/17/18 8:56 PM</a:t>
+              <a:t>3/4/19 8:32 PM</a:t>
             </a:fld>
             <a:endParaRPr kumimoji="0" lang="en-US" sz="1200" b="0" i="0" u="none" strike="noStrike" kern="1200" cap="none" spc="0" normalizeH="0" baseline="0" noProof="0" dirty="0">
               <a:ln>
@@ -1405,7 +1405,7 @@
                 <a:tabLst/>
                 <a:defRPr/>
               </a:pPr>
-              <a:t>9/17/18 8:56 PM</a:t>
+              <a:t>3/4/19 8:32 PM</a:t>
             </a:fld>
             <a:endParaRPr kumimoji="0" lang="en-US" sz="1200" b="0" i="0" u="none" strike="noStrike" kern="1200" cap="none" spc="0" normalizeH="0" baseline="0" noProof="0" dirty="0">
               <a:ln>
@@ -1658,7 +1658,7 @@
           <a:p>
             <a:fld id="{D18B56EA-E28F-4F92-9F16-7A6F2501B303}" type="datetime8">
               <a:rPr lang="en-US" smtClean="0"/>
-              <a:t>9/17/18 8:56 PM</a:t>
+              <a:t>3/4/19 8:32 PM</a:t>
             </a:fld>
             <a:endParaRPr lang="en-US" dirty="0"/>
           </a:p>
@@ -1839,7 +1839,7 @@
           <a:p>
             <a:fld id="{D18B56EA-E28F-4F92-9F16-7A6F2501B303}" type="datetime8">
               <a:rPr lang="en-US" smtClean="0"/>
-              <a:t>9/17/18 8:56 PM</a:t>
+              <a:t>3/4/19 8:32 PM</a:t>
             </a:fld>
             <a:endParaRPr lang="en-US" dirty="0"/>
           </a:p>
@@ -2125,7 +2125,7 @@
                 <a:tabLst/>
                 <a:defRPr/>
               </a:pPr>
-              <a:t>9/17/18 8:56 PM</a:t>
+              <a:t>3/4/19 8:32 PM</a:t>
             </a:fld>
             <a:endParaRPr kumimoji="0" lang="en-US" sz="1200" b="0" i="0" u="none" strike="noStrike" kern="1200" cap="none" spc="0" normalizeH="0" baseline="0" noProof="0" dirty="0">
               <a:ln>
@@ -2457,7 +2457,7 @@
           <a:p>
             <a:fld id="{D18B56EA-E28F-4F92-9F16-7A6F2501B303}" type="datetime8">
               <a:rPr lang="en-US" smtClean="0"/>
-              <a:t>9/17/18 8:56 PM</a:t>
+              <a:t>3/4/19 8:32 PM</a:t>
             </a:fld>
             <a:endParaRPr lang="en-US" dirty="0"/>
           </a:p>
@@ -2846,7 +2846,7 @@
                 <a:tabLst/>
                 <a:defRPr/>
               </a:pPr>
-              <a:t>9/17/18 8:56 PM</a:t>
+              <a:t>3/4/19 8:32 PM</a:t>
             </a:fld>
             <a:endParaRPr kumimoji="0" lang="en-US" sz="1200" b="0" i="0" u="none" strike="noStrike" kern="1200" cap="none" spc="0" normalizeH="0" baseline="0" noProof="0" dirty="0">
               <a:ln>
@@ -3310,7 +3310,7 @@
                 <a:tabLst/>
                 <a:defRPr/>
               </a:pPr>
-              <a:t>9/17/18 8:56 PM</a:t>
+              <a:t>3/4/19 8:32 PM</a:t>
             </a:fld>
             <a:endParaRPr kumimoji="0" lang="en-US" sz="1200" b="0" i="0" u="none" strike="noStrike" kern="1200" cap="none" spc="0" normalizeH="0" baseline="0" noProof="0" dirty="0">
               <a:ln>
@@ -3700,7 +3700,7 @@
                 <a:tabLst/>
                 <a:defRPr/>
               </a:pPr>
-              <a:t>9/17/18 8:56 PM</a:t>
+              <a:t>3/4/19 8:32 PM</a:t>
             </a:fld>
             <a:endParaRPr kumimoji="0" lang="en-US" sz="1200" b="0" i="0" u="none" strike="noStrike" kern="1200" cap="none" spc="0" normalizeH="0" baseline="0" noProof="0" dirty="0">
               <a:ln>
@@ -4102,7 +4102,7 @@
                 <a:tabLst/>
                 <a:defRPr/>
               </a:pPr>
-              <a:t>9/17/18 8:56 PM</a:t>
+              <a:t>3/4/19 8:32 PM</a:t>
             </a:fld>
             <a:endParaRPr kumimoji="0" lang="en-US" sz="1200" b="0" i="0" u="none" strike="noStrike" kern="1200" cap="none" spc="0" normalizeH="0" baseline="0" noProof="0" dirty="0">
               <a:ln>
@@ -4485,7 +4485,7 @@
                 <a:tabLst/>
                 <a:defRPr/>
               </a:pPr>
-              <a:t>9/17/18 8:56 PM</a:t>
+              <a:t>3/4/19 8:32 PM</a:t>
             </a:fld>
             <a:endParaRPr kumimoji="0" lang="en-US" sz="1200" b="0" i="0" u="none" strike="noStrike" kern="1200" cap="none" spc="0" normalizeH="0" baseline="0" noProof="0" dirty="0">
               <a:ln>
@@ -5556,7 +5556,7 @@
           <a:p>
             <a:fld id="{D18B56EA-E28F-4F92-9F16-7A6F2501B303}" type="datetime8">
               <a:rPr lang="en-US" smtClean="0"/>
-              <a:t>9/17/18 8:56 PM</a:t>
+              <a:t>3/4/19 8:32 PM</a:t>
             </a:fld>
             <a:endParaRPr lang="en-US" dirty="0"/>
           </a:p>

--- a/OfficeAddin/05 Using modern JavaScript/03 Build an Office Add-in using VueJS.pptx
+++ b/OfficeAddin/05 Using modern JavaScript/03 Build an Office Add-in using VueJS.pptx
@@ -265,7 +265,7 @@
               <a:rPr lang="en-US" smtClean="0">
                 <a:latin typeface="Segoe UI" pitchFamily="34" charset="0"/>
               </a:rPr>
-              <a:t>3/4/19 8:32 PM</a:t>
+              <a:t>6/6/19 9:25 PM</a:t>
             </a:fld>
             <a:endParaRPr lang="en-US" dirty="0">
               <a:latin typeface="Segoe UI" pitchFamily="34" charset="0"/>
@@ -559,7 +559,7 @@
           <a:p>
             <a:fld id="{D18B56EA-E28F-4F92-9F16-7A6F2501B303}" type="datetime8">
               <a:rPr lang="en-US" smtClean="0"/>
-              <a:t>3/4/19 8:32 PM</a:t>
+              <a:t>6/6/19 9:25 PM</a:t>
             </a:fld>
             <a:endParaRPr lang="en-US" dirty="0"/>
           </a:p>
@@ -1047,7 +1047,7 @@
                 <a:tabLst/>
                 <a:defRPr/>
               </a:pPr>
-              <a:t>3/4/19 8:32 PM</a:t>
+              <a:t>6/6/19 9:25 PM</a:t>
             </a:fld>
             <a:endParaRPr kumimoji="0" lang="en-US" sz="1200" b="0" i="0" u="none" strike="noStrike" kern="1200" cap="none" spc="0" normalizeH="0" baseline="0" noProof="0" dirty="0">
               <a:ln>
@@ -1405,7 +1405,7 @@
                 <a:tabLst/>
                 <a:defRPr/>
               </a:pPr>
-              <a:t>3/4/19 8:32 PM</a:t>
+              <a:t>6/6/19 9:25 PM</a:t>
             </a:fld>
             <a:endParaRPr kumimoji="0" lang="en-US" sz="1200" b="0" i="0" u="none" strike="noStrike" kern="1200" cap="none" spc="0" normalizeH="0" baseline="0" noProof="0" dirty="0">
               <a:ln>
@@ -1658,7 +1658,7 @@
           <a:p>
             <a:fld id="{D18B56EA-E28F-4F92-9F16-7A6F2501B303}" type="datetime8">
               <a:rPr lang="en-US" smtClean="0"/>
-              <a:t>3/4/19 8:32 PM</a:t>
+              <a:t>6/6/19 9:25 PM</a:t>
             </a:fld>
             <a:endParaRPr lang="en-US" dirty="0"/>
           </a:p>
@@ -1839,7 +1839,7 @@
           <a:p>
             <a:fld id="{D18B56EA-E28F-4F92-9F16-7A6F2501B303}" type="datetime8">
               <a:rPr lang="en-US" smtClean="0"/>
-              <a:t>3/4/19 8:32 PM</a:t>
+              <a:t>6/6/19 9:25 PM</a:t>
             </a:fld>
             <a:endParaRPr lang="en-US" dirty="0"/>
           </a:p>
@@ -2125,7 +2125,7 @@
                 <a:tabLst/>
                 <a:defRPr/>
               </a:pPr>
-              <a:t>3/4/19 8:32 PM</a:t>
+              <a:t>6/6/19 9:25 PM</a:t>
             </a:fld>
             <a:endParaRPr kumimoji="0" lang="en-US" sz="1200" b="0" i="0" u="none" strike="noStrike" kern="1200" cap="none" spc="0" normalizeH="0" baseline="0" noProof="0" dirty="0">
               <a:ln>
@@ -2457,7 +2457,7 @@
           <a:p>
             <a:fld id="{D18B56EA-E28F-4F92-9F16-7A6F2501B303}" type="datetime8">
               <a:rPr lang="en-US" smtClean="0"/>
-              <a:t>3/4/19 8:32 PM</a:t>
+              <a:t>6/6/19 9:25 PM</a:t>
             </a:fld>
             <a:endParaRPr lang="en-US" dirty="0"/>
           </a:p>
@@ -2846,7 +2846,7 @@
                 <a:tabLst/>
                 <a:defRPr/>
               </a:pPr>
-              <a:t>3/4/19 8:32 PM</a:t>
+              <a:t>6/6/19 9:25 PM</a:t>
             </a:fld>
             <a:endParaRPr kumimoji="0" lang="en-US" sz="1200" b="0" i="0" u="none" strike="noStrike" kern="1200" cap="none" spc="0" normalizeH="0" baseline="0" noProof="0" dirty="0">
               <a:ln>
@@ -3310,7 +3310,7 @@
                 <a:tabLst/>
                 <a:defRPr/>
               </a:pPr>
-              <a:t>3/4/19 8:32 PM</a:t>
+              <a:t>6/6/19 9:25 PM</a:t>
             </a:fld>
             <a:endParaRPr kumimoji="0" lang="en-US" sz="1200" b="0" i="0" u="none" strike="noStrike" kern="1200" cap="none" spc="0" normalizeH="0" baseline="0" noProof="0" dirty="0">
               <a:ln>
@@ -3700,7 +3700,7 @@
                 <a:tabLst/>
                 <a:defRPr/>
               </a:pPr>
-              <a:t>3/4/19 8:32 PM</a:t>
+              <a:t>6/6/19 9:25 PM</a:t>
             </a:fld>
             <a:endParaRPr kumimoji="0" lang="en-US" sz="1200" b="0" i="0" u="none" strike="noStrike" kern="1200" cap="none" spc="0" normalizeH="0" baseline="0" noProof="0" dirty="0">
               <a:ln>
@@ -4102,7 +4102,7 @@
                 <a:tabLst/>
                 <a:defRPr/>
               </a:pPr>
-              <a:t>3/4/19 8:32 PM</a:t>
+              <a:t>6/6/19 9:25 PM</a:t>
             </a:fld>
             <a:endParaRPr kumimoji="0" lang="en-US" sz="1200" b="0" i="0" u="none" strike="noStrike" kern="1200" cap="none" spc="0" normalizeH="0" baseline="0" noProof="0" dirty="0">
               <a:ln>
@@ -4485,7 +4485,7 @@
                 <a:tabLst/>
                 <a:defRPr/>
               </a:pPr>
-              <a:t>3/4/19 8:32 PM</a:t>
+              <a:t>6/6/19 9:25 PM</a:t>
             </a:fld>
             <a:endParaRPr kumimoji="0" lang="en-US" sz="1200" b="0" i="0" u="none" strike="noStrike" kern="1200" cap="none" spc="0" normalizeH="0" baseline="0" noProof="0" dirty="0">
               <a:ln>
@@ -5556,7 +5556,7 @@
           <a:p>
             <a:fld id="{D18B56EA-E28F-4F92-9F16-7A6F2501B303}" type="datetime8">
               <a:rPr lang="en-US" smtClean="0"/>
-              <a:t>3/4/19 8:32 PM</a:t>
+              <a:t>6/6/19 9:25 PM</a:t>
             </a:fld>
             <a:endParaRPr lang="en-US" dirty="0"/>
           </a:p>
@@ -15852,7 +15852,7 @@
       </a:lvl9pPr>
     </p:otherStyle>
   </p:txStyles>
-  <p:extLst mod="1">
+  <p:extLst>
     <p:ext uri="{27BBF7A9-308A-43DC-89C8-2F10F3537804}">
       <p15:sldGuideLst xmlns:p15="http://schemas.microsoft.com/office/powerpoint/2012/main">
         <p15:guide id="3" pos="1381">
@@ -16740,7 +16740,7 @@
         <p:spPr>
           <a:xfrm>
             <a:off x="465138" y="1930400"/>
-            <a:ext cx="11533187" cy="2908489"/>
+            <a:ext cx="11533187" cy="2031325"/>
           </a:xfrm>
         </p:spPr>
         <p:txBody>
@@ -16756,12 +16756,19 @@
               </a:spcBef>
               <a:buSzTx/>
               <a:buNone/>
+              <a:defRPr/>
             </a:pPr>
+            <a:r>
+              <a:rPr lang="en-US" sz="1800">
+                <a:latin typeface="+mj-lt"/>
+              </a:rPr>
+              <a:t>Side-loading </a:t>
+            </a:r>
             <a:r>
               <a:rPr lang="en-US" sz="1800" dirty="0">
                 <a:latin typeface="+mj-lt"/>
               </a:rPr>
-              <a:t>Create and Office Add-in using any editor</a:t>
+              <a:t>Office Add-ins for testing</a:t>
             </a:r>
           </a:p>
           <a:p>
@@ -16783,7 +16790,7 @@
                 <a:latin typeface="+mn-lt"/>
                 <a:hlinkClick r:id="rId3"/>
               </a:rPr>
-              <a:t>https://dev.office.com/docs/add-ins/get-started/create-an-office-add-in-using-any-editor</a:t>
+              <a:t>https://dev.office.com/docs/add-ins/testing/create-a-network-shared-folder-catalog-for-task-pane-and-content-add-ins</a:t>
             </a:r>
             <a:endParaRPr lang="en-US" sz="1600" dirty="0">
               <a:solidFill>
@@ -16817,13 +16824,12 @@
               </a:spcBef>
               <a:buSzTx/>
               <a:buNone/>
-              <a:defRPr/>
             </a:pPr>
             <a:r>
               <a:rPr lang="en-US" sz="1800" dirty="0">
                 <a:latin typeface="+mj-lt"/>
               </a:rPr>
-              <a:t>Side-loading Office Add-ins for testing</a:t>
+              <a:t>Side-loading Office Add-ins in Office Online for testing</a:t>
             </a:r>
           </a:p>
           <a:p>
@@ -16844,67 +16850,6 @@
                 </a:solidFill>
                 <a:latin typeface="+mn-lt"/>
                 <a:hlinkClick r:id="rId4"/>
-              </a:rPr>
-              <a:t>https://dev.office.com/docs/add-ins/testing/create-a-network-shared-folder-catalog-for-task-pane-and-content-add-ins</a:t>
-            </a:r>
-            <a:endParaRPr lang="en-US" sz="1600" dirty="0">
-              <a:solidFill>
-                <a:schemeClr val="tx1"/>
-              </a:solidFill>
-              <a:latin typeface="+mn-lt"/>
-            </a:endParaRPr>
-          </a:p>
-          <a:p>
-            <a:pPr marL="0" lvl="0" indent="0" defTabSz="914400">
-              <a:lnSpc>
-                <a:spcPct val="100000"/>
-              </a:lnSpc>
-              <a:spcBef>
-                <a:spcPts val="0"/>
-              </a:spcBef>
-              <a:buSzTx/>
-              <a:buNone/>
-            </a:pPr>
-            <a:endParaRPr lang="en-US" sz="1800" dirty="0">
-              <a:latin typeface="+mj-lt"/>
-            </a:endParaRPr>
-          </a:p>
-          <a:p>
-            <a:pPr marL="0" lvl="0" indent="0" defTabSz="914400">
-              <a:lnSpc>
-                <a:spcPct val="100000"/>
-              </a:lnSpc>
-              <a:spcBef>
-                <a:spcPts val="0"/>
-              </a:spcBef>
-              <a:buSzTx/>
-              <a:buNone/>
-            </a:pPr>
-            <a:r>
-              <a:rPr lang="en-US" sz="1800" dirty="0">
-                <a:latin typeface="+mj-lt"/>
-              </a:rPr>
-              <a:t>Side-loading Office Add-ins in Office Online for testing</a:t>
-            </a:r>
-          </a:p>
-          <a:p>
-            <a:pPr marL="0" lvl="0" indent="0" defTabSz="914400">
-              <a:lnSpc>
-                <a:spcPct val="100000"/>
-              </a:lnSpc>
-              <a:spcBef>
-                <a:spcPts val="600"/>
-              </a:spcBef>
-              <a:buSzTx/>
-              <a:buNone/>
-            </a:pPr>
-            <a:r>
-              <a:rPr lang="en-US" sz="1600" dirty="0">
-                <a:solidFill>
-                  <a:schemeClr val="tx1"/>
-                </a:solidFill>
-                <a:latin typeface="+mn-lt"/>
-                <a:hlinkClick r:id="rId5"/>
               </a:rPr>
               <a:t>https://dev.office.com/docs/add-ins/testing/sideload-office-add-ins-for-testing</a:t>
             </a:r>

--- a/OfficeAddin/05 Using modern JavaScript/03 Build an Office Add-in using VueJS.pptx
+++ b/OfficeAddin/05 Using modern JavaScript/03 Build an Office Add-in using VueJS.pptx
@@ -265,7 +265,7 @@
               <a:rPr lang="en-US" smtClean="0">
                 <a:latin typeface="Segoe UI" pitchFamily="34" charset="0"/>
               </a:rPr>
-              <a:t>6/6/19 9:25 PM</a:t>
+              <a:t>9/8/19 8:30 PM</a:t>
             </a:fld>
             <a:endParaRPr lang="en-US" dirty="0">
               <a:latin typeface="Segoe UI" pitchFamily="34" charset="0"/>
@@ -559,7 +559,7 @@
           <a:p>
             <a:fld id="{D18B56EA-E28F-4F92-9F16-7A6F2501B303}" type="datetime8">
               <a:rPr lang="en-US" smtClean="0"/>
-              <a:t>6/6/19 9:25 PM</a:t>
+              <a:t>9/8/19 8:30 PM</a:t>
             </a:fld>
             <a:endParaRPr lang="en-US" dirty="0"/>
           </a:p>
@@ -1047,7 +1047,7 @@
                 <a:tabLst/>
                 <a:defRPr/>
               </a:pPr>
-              <a:t>6/6/19 9:25 PM</a:t>
+              <a:t>9/8/19 8:30 PM</a:t>
             </a:fld>
             <a:endParaRPr kumimoji="0" lang="en-US" sz="1200" b="0" i="0" u="none" strike="noStrike" kern="1200" cap="none" spc="0" normalizeH="0" baseline="0" noProof="0" dirty="0">
               <a:ln>
@@ -1405,7 +1405,7 @@
                 <a:tabLst/>
                 <a:defRPr/>
               </a:pPr>
-              <a:t>6/6/19 9:25 PM</a:t>
+              <a:t>9/8/19 8:30 PM</a:t>
             </a:fld>
             <a:endParaRPr kumimoji="0" lang="en-US" sz="1200" b="0" i="0" u="none" strike="noStrike" kern="1200" cap="none" spc="0" normalizeH="0" baseline="0" noProof="0" dirty="0">
               <a:ln>
@@ -1658,7 +1658,7 @@
           <a:p>
             <a:fld id="{D18B56EA-E28F-4F92-9F16-7A6F2501B303}" type="datetime8">
               <a:rPr lang="en-US" smtClean="0"/>
-              <a:t>6/6/19 9:25 PM</a:t>
+              <a:t>9/8/19 8:30 PM</a:t>
             </a:fld>
             <a:endParaRPr lang="en-US" dirty="0"/>
           </a:p>
@@ -1839,7 +1839,7 @@
           <a:p>
             <a:fld id="{D18B56EA-E28F-4F92-9F16-7A6F2501B303}" type="datetime8">
               <a:rPr lang="en-US" smtClean="0"/>
-              <a:t>6/6/19 9:25 PM</a:t>
+              <a:t>9/8/19 8:30 PM</a:t>
             </a:fld>
             <a:endParaRPr lang="en-US" dirty="0"/>
           </a:p>
@@ -2125,7 +2125,7 @@
                 <a:tabLst/>
                 <a:defRPr/>
               </a:pPr>
-              <a:t>6/6/19 9:25 PM</a:t>
+              <a:t>9/8/19 8:30 PM</a:t>
             </a:fld>
             <a:endParaRPr kumimoji="0" lang="en-US" sz="1200" b="0" i="0" u="none" strike="noStrike" kern="1200" cap="none" spc="0" normalizeH="0" baseline="0" noProof="0" dirty="0">
               <a:ln>
@@ -2457,7 +2457,7 @@
           <a:p>
             <a:fld id="{D18B56EA-E28F-4F92-9F16-7A6F2501B303}" type="datetime8">
               <a:rPr lang="en-US" smtClean="0"/>
-              <a:t>6/6/19 9:25 PM</a:t>
+              <a:t>9/8/19 8:30 PM</a:t>
             </a:fld>
             <a:endParaRPr lang="en-US" dirty="0"/>
           </a:p>
@@ -2846,7 +2846,7 @@
                 <a:tabLst/>
                 <a:defRPr/>
               </a:pPr>
-              <a:t>6/6/19 9:25 PM</a:t>
+              <a:t>9/8/19 8:30 PM</a:t>
             </a:fld>
             <a:endParaRPr kumimoji="0" lang="en-US" sz="1200" b="0" i="0" u="none" strike="noStrike" kern="1200" cap="none" spc="0" normalizeH="0" baseline="0" noProof="0" dirty="0">
               <a:ln>
@@ -3310,7 +3310,7 @@
                 <a:tabLst/>
                 <a:defRPr/>
               </a:pPr>
-              <a:t>6/6/19 9:25 PM</a:t>
+              <a:t>9/8/19 8:30 PM</a:t>
             </a:fld>
             <a:endParaRPr kumimoji="0" lang="en-US" sz="1200" b="0" i="0" u="none" strike="noStrike" kern="1200" cap="none" spc="0" normalizeH="0" baseline="0" noProof="0" dirty="0">
               <a:ln>
@@ -3700,7 +3700,7 @@
                 <a:tabLst/>
                 <a:defRPr/>
               </a:pPr>
-              <a:t>6/6/19 9:25 PM</a:t>
+              <a:t>9/8/19 8:30 PM</a:t>
             </a:fld>
             <a:endParaRPr kumimoji="0" lang="en-US" sz="1200" b="0" i="0" u="none" strike="noStrike" kern="1200" cap="none" spc="0" normalizeH="0" baseline="0" noProof="0" dirty="0">
               <a:ln>
@@ -4102,7 +4102,7 @@
                 <a:tabLst/>
                 <a:defRPr/>
               </a:pPr>
-              <a:t>6/6/19 9:25 PM</a:t>
+              <a:t>9/8/19 8:30 PM</a:t>
             </a:fld>
             <a:endParaRPr kumimoji="0" lang="en-US" sz="1200" b="0" i="0" u="none" strike="noStrike" kern="1200" cap="none" spc="0" normalizeH="0" baseline="0" noProof="0" dirty="0">
               <a:ln>
@@ -4485,7 +4485,7 @@
                 <a:tabLst/>
                 <a:defRPr/>
               </a:pPr>
-              <a:t>6/6/19 9:25 PM</a:t>
+              <a:t>9/8/19 8:30 PM</a:t>
             </a:fld>
             <a:endParaRPr kumimoji="0" lang="en-US" sz="1200" b="0" i="0" u="none" strike="noStrike" kern="1200" cap="none" spc="0" normalizeH="0" baseline="0" noProof="0" dirty="0">
               <a:ln>
@@ -5556,7 +5556,7 @@
           <a:p>
             <a:fld id="{D18B56EA-E28F-4F92-9F16-7A6F2501B303}" type="datetime8">
               <a:rPr lang="en-US" smtClean="0"/>
-              <a:t>6/6/19 9:25 PM</a:t>
+              <a:t>9/8/19 8:30 PM</a:t>
             </a:fld>
             <a:endParaRPr lang="en-US" dirty="0"/>
           </a:p>
@@ -16740,7 +16740,7 @@
         <p:spPr>
           <a:xfrm>
             <a:off x="465138" y="1930400"/>
-            <a:ext cx="11533187" cy="2031325"/>
+            <a:ext cx="11533187" cy="2077492"/>
           </a:xfrm>
         </p:spPr>
         <p:txBody>
@@ -16759,16 +16759,10 @@
               <a:defRPr/>
             </a:pPr>
             <a:r>
-              <a:rPr lang="en-US" sz="1800">
-                <a:latin typeface="+mj-lt"/>
-              </a:rPr>
-              <a:t>Side-loading </a:t>
-            </a:r>
-            <a:r>
               <a:rPr lang="en-US" sz="1800" dirty="0">
                 <a:latin typeface="+mj-lt"/>
               </a:rPr>
-              <a:t>Office Add-ins for testing</a:t>
+              <a:t>Side-loading Office Add-ins for testing</a:t>
             </a:r>
           </a:p>
           <a:p>
@@ -16784,20 +16778,11 @@
             </a:pPr>
             <a:r>
               <a:rPr lang="en-US" sz="1600" dirty="0">
-                <a:solidFill>
-                  <a:schemeClr val="tx1"/>
-                </a:solidFill>
-                <a:latin typeface="+mn-lt"/>
                 <a:hlinkClick r:id="rId3"/>
               </a:rPr>
-              <a:t>https://dev.office.com/docs/add-ins/testing/create-a-network-shared-folder-catalog-for-task-pane-and-content-add-ins</a:t>
-            </a:r>
-            <a:endParaRPr lang="en-US" sz="1600" dirty="0">
-              <a:solidFill>
-                <a:schemeClr val="tx1"/>
-              </a:solidFill>
-              <a:latin typeface="+mn-lt"/>
-            </a:endParaRPr>
+              <a:t>https://docs.microsoft.com/en-us/office/dev/add-ins/testing/create-a-network-shared-folder-catalog-for-task-pane-and-content-add-ins</a:t>
+            </a:r>
+            <a:endParaRPr lang="en-US" sz="1600" dirty="0"/>
           </a:p>
           <a:p>
             <a:pPr marL="0" lvl="0" indent="0" defTabSz="914400">
@@ -16805,7 +16790,7 @@
                 <a:spcPct val="100000"/>
               </a:lnSpc>
               <a:spcBef>
-                <a:spcPts val="0"/>
+                <a:spcPts val="600"/>
               </a:spcBef>
               <a:buSzTx/>
               <a:buNone/>
@@ -16845,32 +16830,16 @@
             </a:pPr>
             <a:r>
               <a:rPr lang="en-US" sz="1600" dirty="0">
-                <a:solidFill>
-                  <a:schemeClr val="tx1"/>
-                </a:solidFill>
-                <a:latin typeface="+mn-lt"/>
                 <a:hlinkClick r:id="rId4"/>
               </a:rPr>
-              <a:t>https://dev.office.com/docs/add-ins/testing/sideload-office-add-ins-for-testing</a:t>
-            </a:r>
-            <a:endParaRPr lang="en-US" sz="1600" dirty="0">
-              <a:solidFill>
-                <a:schemeClr val="tx1"/>
-              </a:solidFill>
-              <a:latin typeface="+mn-lt"/>
-            </a:endParaRPr>
-          </a:p>
-          <a:p>
-            <a:pPr marL="0" lvl="0" indent="0" defTabSz="914400">
-              <a:lnSpc>
-                <a:spcPct val="100000"/>
-              </a:lnSpc>
-              <a:spcBef>
-                <a:spcPts val="0"/>
-              </a:spcBef>
-              <a:buSzTx/>
-              <a:buNone/>
-            </a:pPr>
+              <a:t>https://docs.microsoft.com/en</a:t>
+            </a:r>
+            <a:r>
+              <a:rPr lang="en-US" sz="1600">
+                <a:hlinkClick r:id="rId4"/>
+              </a:rPr>
+              <a:t>-us/office/dev/add-ins/testing/sideload-office-add-ins-for-testing</a:t>
+            </a:r>
             <a:endParaRPr lang="en-US" sz="1800" dirty="0">
               <a:latin typeface="+mj-lt"/>
             </a:endParaRPr>

--- a/OfficeAddin/05 Using modern JavaScript/03 Build an Office Add-in using VueJS.pptx
+++ b/OfficeAddin/05 Using modern JavaScript/03 Build an Office Add-in using VueJS.pptx
@@ -265,7 +265,7 @@
               <a:rPr lang="en-US" smtClean="0">
                 <a:latin typeface="Segoe UI" pitchFamily="34" charset="0"/>
               </a:rPr>
-              <a:t>9/8/19 8:30 PM</a:t>
+              <a:t>3/4/20 9:05 PM</a:t>
             </a:fld>
             <a:endParaRPr lang="en-US" dirty="0">
               <a:latin typeface="Segoe UI" pitchFamily="34" charset="0"/>
@@ -559,7 +559,7 @@
           <a:p>
             <a:fld id="{D18B56EA-E28F-4F92-9F16-7A6F2501B303}" type="datetime8">
               <a:rPr lang="en-US" smtClean="0"/>
-              <a:t>9/8/19 8:30 PM</a:t>
+              <a:t>3/4/20 9:05 PM</a:t>
             </a:fld>
             <a:endParaRPr lang="en-US" dirty="0"/>
           </a:p>
@@ -1047,7 +1047,7 @@
                 <a:tabLst/>
                 <a:defRPr/>
               </a:pPr>
-              <a:t>9/8/19 8:30 PM</a:t>
+              <a:t>3/4/20 9:05 PM</a:t>
             </a:fld>
             <a:endParaRPr kumimoji="0" lang="en-US" sz="1200" b="0" i="0" u="none" strike="noStrike" kern="1200" cap="none" spc="0" normalizeH="0" baseline="0" noProof="0" dirty="0">
               <a:ln>
@@ -1405,7 +1405,7 @@
                 <a:tabLst/>
                 <a:defRPr/>
               </a:pPr>
-              <a:t>9/8/19 8:30 PM</a:t>
+              <a:t>3/4/20 9:05 PM</a:t>
             </a:fld>
             <a:endParaRPr kumimoji="0" lang="en-US" sz="1200" b="0" i="0" u="none" strike="noStrike" kern="1200" cap="none" spc="0" normalizeH="0" baseline="0" noProof="0" dirty="0">
               <a:ln>
@@ -1658,7 +1658,7 @@
           <a:p>
             <a:fld id="{D18B56EA-E28F-4F92-9F16-7A6F2501B303}" type="datetime8">
               <a:rPr lang="en-US" smtClean="0"/>
-              <a:t>9/8/19 8:30 PM</a:t>
+              <a:t>3/4/20 9:05 PM</a:t>
             </a:fld>
             <a:endParaRPr lang="en-US" dirty="0"/>
           </a:p>
@@ -1839,7 +1839,7 @@
           <a:p>
             <a:fld id="{D18B56EA-E28F-4F92-9F16-7A6F2501B303}" type="datetime8">
               <a:rPr lang="en-US" smtClean="0"/>
-              <a:t>9/8/19 8:30 PM</a:t>
+              <a:t>3/4/20 9:05 PM</a:t>
             </a:fld>
             <a:endParaRPr lang="en-US" dirty="0"/>
           </a:p>
@@ -2125,7 +2125,7 @@
                 <a:tabLst/>
                 <a:defRPr/>
               </a:pPr>
-              <a:t>9/8/19 8:30 PM</a:t>
+              <a:t>3/4/20 9:05 PM</a:t>
             </a:fld>
             <a:endParaRPr kumimoji="0" lang="en-US" sz="1200" b="0" i="0" u="none" strike="noStrike" kern="1200" cap="none" spc="0" normalizeH="0" baseline="0" noProof="0" dirty="0">
               <a:ln>
@@ -2457,7 +2457,7 @@
           <a:p>
             <a:fld id="{D18B56EA-E28F-4F92-9F16-7A6F2501B303}" type="datetime8">
               <a:rPr lang="en-US" smtClean="0"/>
-              <a:t>9/8/19 8:30 PM</a:t>
+              <a:t>3/4/20 9:05 PM</a:t>
             </a:fld>
             <a:endParaRPr lang="en-US" dirty="0"/>
           </a:p>
@@ -2846,7 +2846,7 @@
                 <a:tabLst/>
                 <a:defRPr/>
               </a:pPr>
-              <a:t>9/8/19 8:30 PM</a:t>
+              <a:t>3/4/20 9:05 PM</a:t>
             </a:fld>
             <a:endParaRPr kumimoji="0" lang="en-US" sz="1200" b="0" i="0" u="none" strike="noStrike" kern="1200" cap="none" spc="0" normalizeH="0" baseline="0" noProof="0" dirty="0">
               <a:ln>
@@ -3310,7 +3310,7 @@
                 <a:tabLst/>
                 <a:defRPr/>
               </a:pPr>
-              <a:t>9/8/19 8:30 PM</a:t>
+              <a:t>3/4/20 9:05 PM</a:t>
             </a:fld>
             <a:endParaRPr kumimoji="0" lang="en-US" sz="1200" b="0" i="0" u="none" strike="noStrike" kern="1200" cap="none" spc="0" normalizeH="0" baseline="0" noProof="0" dirty="0">
               <a:ln>
@@ -3700,7 +3700,7 @@
                 <a:tabLst/>
                 <a:defRPr/>
               </a:pPr>
-              <a:t>9/8/19 8:30 PM</a:t>
+              <a:t>3/4/20 9:05 PM</a:t>
             </a:fld>
             <a:endParaRPr kumimoji="0" lang="en-US" sz="1200" b="0" i="0" u="none" strike="noStrike" kern="1200" cap="none" spc="0" normalizeH="0" baseline="0" noProof="0" dirty="0">
               <a:ln>
@@ -4102,7 +4102,7 @@
                 <a:tabLst/>
                 <a:defRPr/>
               </a:pPr>
-              <a:t>9/8/19 8:30 PM</a:t>
+              <a:t>3/4/20 9:05 PM</a:t>
             </a:fld>
             <a:endParaRPr kumimoji="0" lang="en-US" sz="1200" b="0" i="0" u="none" strike="noStrike" kern="1200" cap="none" spc="0" normalizeH="0" baseline="0" noProof="0" dirty="0">
               <a:ln>
@@ -4485,7 +4485,7 @@
                 <a:tabLst/>
                 <a:defRPr/>
               </a:pPr>
-              <a:t>9/8/19 8:30 PM</a:t>
+              <a:t>3/4/20 9:05 PM</a:t>
             </a:fld>
             <a:endParaRPr kumimoji="0" lang="en-US" sz="1200" b="0" i="0" u="none" strike="noStrike" kern="1200" cap="none" spc="0" normalizeH="0" baseline="0" noProof="0" dirty="0">
               <a:ln>
@@ -5556,7 +5556,7 @@
           <a:p>
             <a:fld id="{D18B56EA-E28F-4F92-9F16-7A6F2501B303}" type="datetime8">
               <a:rPr lang="en-US" smtClean="0"/>
-              <a:t>9/8/19 8:30 PM</a:t>
+              <a:t>3/4/20 9:05 PM</a:t>
             </a:fld>
             <a:endParaRPr lang="en-US" dirty="0"/>
           </a:p>
@@ -16096,11 +16096,18 @@
               <a:t>VueJS</a:t>
             </a:r>
             <a:r>
-              <a:rPr lang="en-US" dirty="0">
+              <a:rPr lang="en-US"/>
+              <a:t> </a:t>
+            </a:r>
+            <a:r>
+              <a:rPr lang="en-US">
                 <a:noFill/>
               </a:rPr>
               <a:t>-</a:t>
             </a:r>
+            <a:endParaRPr lang="en-US" dirty="0">
+              <a:noFill/>
+            </a:endParaRPr>
           </a:p>
         </p:txBody>
       </p:sp>
